--- a/Recitation2.pptx
+++ b/Recitation2.pptx
@@ -250,7 +250,7 @@
           <a:p>
             <a:fld id="{4F9DBEF8-432F-4D3F-8846-491D006E1285}" type="datetimeFigureOut">
               <a:rPr lang="en-US" smtClean="0"/>
-              <a:t>2/4/2021</a:t>
+              <a:t>2/12/2021</a:t>
             </a:fld>
             <a:endParaRPr lang="en-US"/>
           </a:p>
@@ -664,7 +664,7 @@
           <a:p>
             <a:fld id="{B3C83DD3-1C81-49C5-B31E-2DEF7B1DC002}" type="datetimeFigureOut">
               <a:rPr lang="en-US" smtClean="0"/>
-              <a:t>2/4/2021</a:t>
+              <a:t>2/12/2021</a:t>
             </a:fld>
             <a:endParaRPr lang="en-US"/>
           </a:p>
@@ -862,7 +862,7 @@
           <a:p>
             <a:fld id="{B3C83DD3-1C81-49C5-B31E-2DEF7B1DC002}" type="datetimeFigureOut">
               <a:rPr lang="en-US" smtClean="0"/>
-              <a:t>2/4/2021</a:t>
+              <a:t>2/12/2021</a:t>
             </a:fld>
             <a:endParaRPr lang="en-US"/>
           </a:p>
@@ -1070,7 +1070,7 @@
           <a:p>
             <a:fld id="{B3C83DD3-1C81-49C5-B31E-2DEF7B1DC002}" type="datetimeFigureOut">
               <a:rPr lang="en-US" smtClean="0"/>
-              <a:t>2/4/2021</a:t>
+              <a:t>2/12/2021</a:t>
             </a:fld>
             <a:endParaRPr lang="en-US"/>
           </a:p>
@@ -1268,7 +1268,7 @@
           <a:p>
             <a:fld id="{B3C83DD3-1C81-49C5-B31E-2DEF7B1DC002}" type="datetimeFigureOut">
               <a:rPr lang="en-US" smtClean="0"/>
-              <a:t>2/4/2021</a:t>
+              <a:t>2/12/2021</a:t>
             </a:fld>
             <a:endParaRPr lang="en-US"/>
           </a:p>
@@ -1543,7 +1543,7 @@
           <a:p>
             <a:fld id="{B3C83DD3-1C81-49C5-B31E-2DEF7B1DC002}" type="datetimeFigureOut">
               <a:rPr lang="en-US" smtClean="0"/>
-              <a:t>2/4/2021</a:t>
+              <a:t>2/12/2021</a:t>
             </a:fld>
             <a:endParaRPr lang="en-US"/>
           </a:p>
@@ -1808,7 +1808,7 @@
           <a:p>
             <a:fld id="{B3C83DD3-1C81-49C5-B31E-2DEF7B1DC002}" type="datetimeFigureOut">
               <a:rPr lang="en-US" smtClean="0"/>
-              <a:t>2/4/2021</a:t>
+              <a:t>2/12/2021</a:t>
             </a:fld>
             <a:endParaRPr lang="en-US"/>
           </a:p>
@@ -2220,7 +2220,7 @@
           <a:p>
             <a:fld id="{B3C83DD3-1C81-49C5-B31E-2DEF7B1DC002}" type="datetimeFigureOut">
               <a:rPr lang="en-US" smtClean="0"/>
-              <a:t>2/4/2021</a:t>
+              <a:t>2/12/2021</a:t>
             </a:fld>
             <a:endParaRPr lang="en-US"/>
           </a:p>
@@ -2361,7 +2361,7 @@
           <a:p>
             <a:fld id="{B3C83DD3-1C81-49C5-B31E-2DEF7B1DC002}" type="datetimeFigureOut">
               <a:rPr lang="en-US" smtClean="0"/>
-              <a:t>2/4/2021</a:t>
+              <a:t>2/12/2021</a:t>
             </a:fld>
             <a:endParaRPr lang="en-US"/>
           </a:p>
@@ -2474,7 +2474,7 @@
           <a:p>
             <a:fld id="{B3C83DD3-1C81-49C5-B31E-2DEF7B1DC002}" type="datetimeFigureOut">
               <a:rPr lang="en-US" smtClean="0"/>
-              <a:t>2/4/2021</a:t>
+              <a:t>2/12/2021</a:t>
             </a:fld>
             <a:endParaRPr lang="en-US"/>
           </a:p>
@@ -2785,7 +2785,7 @@
           <a:p>
             <a:fld id="{B3C83DD3-1C81-49C5-B31E-2DEF7B1DC002}" type="datetimeFigureOut">
               <a:rPr lang="en-US" smtClean="0"/>
-              <a:t>2/4/2021</a:t>
+              <a:t>2/12/2021</a:t>
             </a:fld>
             <a:endParaRPr lang="en-US"/>
           </a:p>
@@ -3073,7 +3073,7 @@
           <a:p>
             <a:fld id="{B3C83DD3-1C81-49C5-B31E-2DEF7B1DC002}" type="datetimeFigureOut">
               <a:rPr lang="en-US" smtClean="0"/>
-              <a:t>2/4/2021</a:t>
+              <a:t>2/12/2021</a:t>
             </a:fld>
             <a:endParaRPr lang="en-US"/>
           </a:p>
@@ -3314,7 +3314,7 @@
           <a:p>
             <a:fld id="{B3C83DD3-1C81-49C5-B31E-2DEF7B1DC002}" type="datetimeFigureOut">
               <a:rPr lang="en-US" smtClean="0"/>
-              <a:t>2/4/2021</a:t>
+              <a:t>2/12/2021</a:t>
             </a:fld>
             <a:endParaRPr lang="en-US"/>
           </a:p>
@@ -13583,7 +13583,7 @@
             <a:pPr lvl="1"/>
             <a:r>
               <a:rPr lang="en-US" dirty="0"/>
-              <a:t>0x5555 5555 = 0101 0101 … 0101</a:t>
+              <a:t>0x5555 5555 = 0b0101 0101 … 0101</a:t>
             </a:r>
           </a:p>
           <a:p>
@@ -13609,7 +13609,15 @@
             <a:pPr lvl="1"/>
             <a:r>
               <a:rPr lang="en-US" dirty="0"/>
-              <a:t>Rough idea:  x &amp; (0101 0101 … 0101) = 0101 0101 … 0101</a:t>
+              <a:t>Rough idea:  x &amp; (0b0101 0101 … 0101) </a:t>
+            </a:r>
+            <a:r>
+              <a:rPr lang="en-US"/>
+              <a:t>= 0b0101 </a:t>
+            </a:r>
+            <a:r>
+              <a:rPr lang="en-US" dirty="0"/>
+              <a:t>0101 … 0101</a:t>
             </a:r>
           </a:p>
           <a:p>
